--- a/soundblock.pptx
+++ b/soundblock.pptx
@@ -231,7 +231,7 @@
           <a:p>
             <a:fld id="{8985FFBF-2C64-42CD-9E2F-09E2049D891B}" type="datetimeFigureOut">
               <a:rPr lang="en-US"/>
-              <a:t>9/30/18</a:t>
+              <a:t>10/3/18</a:t>
             </a:fld>
             <a:endParaRPr/>
           </a:p>
@@ -396,7 +396,7 @@
           <a:p>
             <a:fld id="{B7A3DF44-BBF1-44C7-A0B1-7B7B2F7B3880}" type="datetimeFigureOut">
               <a:rPr lang="en-US"/>
-              <a:t>9/30/18</a:t>
+              <a:t>10/3/18</a:t>
             </a:fld>
             <a:endParaRPr/>
           </a:p>
@@ -1353,7 +1353,7 @@
             <a:fld id="{5923F103-BC34-4FE4-A40E-EDDEECFDA5D0}" type="datetimeFigureOut">
               <a:rPr lang="en-US" smtClean="0"/>
               <a:pPr/>
-              <a:t>9/30/18</a:t>
+              <a:t>10/3/18</a:t>
             </a:fld>
             <a:endParaRPr lang="en-US" dirty="0"/>
           </a:p>
@@ -2540,7 +2540,7 @@
             <a:fld id="{14F042A8-43C1-4815-A5CF-022104463224}" type="datetimeFigureOut">
               <a:rPr lang="en-US" smtClean="0"/>
               <a:pPr/>
-              <a:t>9/30/18</a:t>
+              <a:t>10/3/18</a:t>
             </a:fld>
             <a:endParaRPr lang="en-US"/>
           </a:p>
@@ -3607,7 +3607,7 @@
             <a:fld id="{14F042A8-43C1-4815-A5CF-022104463224}" type="datetimeFigureOut">
               <a:rPr lang="en-US" smtClean="0"/>
               <a:pPr/>
-              <a:t>9/30/18</a:t>
+              <a:t>10/3/18</a:t>
             </a:fld>
             <a:endParaRPr lang="en-US"/>
           </a:p>
@@ -4833,7 +4833,7 @@
             <a:fld id="{14F042A8-43C1-4815-A5CF-022104463224}" type="datetimeFigureOut">
               <a:rPr lang="en-US" smtClean="0"/>
               <a:pPr/>
-              <a:t>9/30/18</a:t>
+              <a:t>10/3/18</a:t>
             </a:fld>
             <a:endParaRPr lang="en-US"/>
           </a:p>
@@ -5950,7 +5950,7 @@
             <a:fld id="{14F042A8-43C1-4815-A5CF-022104463224}" type="datetimeFigureOut">
               <a:rPr lang="en-US" smtClean="0"/>
               <a:pPr/>
-              <a:t>9/30/18</a:t>
+              <a:t>10/3/18</a:t>
             </a:fld>
             <a:endParaRPr lang="en-US"/>
           </a:p>
@@ -6615,7 +6615,7 @@
             <a:fld id="{14F042A8-43C1-4815-A5CF-022104463224}" type="datetimeFigureOut">
               <a:rPr lang="en-US" smtClean="0"/>
               <a:pPr/>
-              <a:t>9/30/18</a:t>
+              <a:t>10/3/18</a:t>
             </a:fld>
             <a:endParaRPr lang="en-US"/>
           </a:p>
@@ -7475,7 +7475,7 @@
             <a:fld id="{14F042A8-43C1-4815-A5CF-022104463224}" type="datetimeFigureOut">
               <a:rPr lang="en-US" smtClean="0"/>
               <a:pPr/>
-              <a:t>9/30/18</a:t>
+              <a:t>10/3/18</a:t>
             </a:fld>
             <a:endParaRPr lang="en-US"/>
           </a:p>
@@ -7672,7 +7672,7 @@
           <a:p>
             <a:fld id="{14F042A8-43C1-4815-A5CF-022104463224}" type="datetimeFigureOut">
               <a:rPr lang="mr-IN" smtClean="0"/>
-              <a:t>9/30/18</a:t>
+              <a:t>3/10/18</a:t>
             </a:fld>
             <a:endParaRPr lang="mr-IN"/>
           </a:p>
@@ -8737,7 +8737,7 @@
             <a:fld id="{14F042A8-43C1-4815-A5CF-022104463224}" type="datetimeFigureOut">
               <a:rPr lang="en-US" smtClean="0"/>
               <a:pPr/>
-              <a:t>9/30/18</a:t>
+              <a:t>10/3/18</a:t>
             </a:fld>
             <a:endParaRPr lang="en-US"/>
           </a:p>
@@ -9710,7 +9710,7 @@
           <a:p>
             <a:fld id="{14F042A8-43C1-4815-A5CF-022104463224}" type="datetimeFigureOut">
               <a:rPr lang="mr-IN" smtClean="0"/>
-              <a:t>9/30/18</a:t>
+              <a:t>3/10/18</a:t>
             </a:fld>
             <a:endParaRPr lang="mr-IN"/>
           </a:p>
@@ -10838,7 +10838,7 @@
           <a:p>
             <a:fld id="{14F042A8-43C1-4815-A5CF-022104463224}" type="datetimeFigureOut">
               <a:rPr lang="mr-IN" smtClean="0"/>
-              <a:t>9/30/18</a:t>
+              <a:t>3/10/18</a:t>
             </a:fld>
             <a:endParaRPr lang="mr-IN"/>
           </a:p>
@@ -11368,7 +11368,7 @@
           <a:p>
             <a:fld id="{14F042A8-43C1-4815-A5CF-022104463224}" type="datetimeFigureOut">
               <a:rPr lang="mr-IN" smtClean="0"/>
-              <a:t>9/30/18</a:t>
+              <a:t>3/10/18</a:t>
             </a:fld>
             <a:endParaRPr lang="mr-IN"/>
           </a:p>
@@ -11773,7 +11773,7 @@
           <a:p>
             <a:fld id="{14F042A8-43C1-4815-A5CF-022104463224}" type="datetimeFigureOut">
               <a:rPr lang="mr-IN" smtClean="0"/>
-              <a:t>9/30/18</a:t>
+              <a:t>3/10/18</a:t>
             </a:fld>
             <a:endParaRPr lang="mr-IN"/>
           </a:p>
@@ -11914,7 +11914,7 @@
           <a:p>
             <a:fld id="{14F042A8-43C1-4815-A5CF-022104463224}" type="datetimeFigureOut">
               <a:rPr lang="mr-IN" smtClean="0"/>
-              <a:t>9/30/18</a:t>
+              <a:t>3/10/18</a:t>
             </a:fld>
             <a:endParaRPr lang="mr-IN"/>
           </a:p>
@@ -12033,7 +12033,7 @@
             <a:fld id="{14F042A8-43C1-4815-A5CF-022104463224}" type="datetimeFigureOut">
               <a:rPr lang="en-US" smtClean="0"/>
               <a:pPr/>
-              <a:t>9/30/18</a:t>
+              <a:t>10/3/18</a:t>
             </a:fld>
             <a:endParaRPr lang="en-US"/>
           </a:p>
@@ -13210,7 +13210,7 @@
             <a:fld id="{14F042A8-43C1-4815-A5CF-022104463224}" type="datetimeFigureOut">
               <a:rPr lang="en-US" smtClean="0"/>
               <a:pPr/>
-              <a:t>9/30/18</a:t>
+              <a:t>10/3/18</a:t>
             </a:fld>
             <a:endParaRPr lang="en-US"/>
           </a:p>
@@ -14411,7 +14411,7 @@
             <a:fld id="{14F042A8-43C1-4815-A5CF-022104463224}" type="datetimeFigureOut">
               <a:rPr lang="en-US" smtClean="0"/>
               <a:pPr/>
-              <a:t>9/30/18</a:t>
+              <a:t>10/3/18</a:t>
             </a:fld>
             <a:endParaRPr lang="en-US"/>
           </a:p>
@@ -15617,7 +15617,7 @@
             <a:fld id="{14F042A8-43C1-4815-A5CF-022104463224}" type="datetimeFigureOut">
               <a:rPr lang="en-US" smtClean="0"/>
               <a:pPr/>
-              <a:t>9/30/18</a:t>
+              <a:t>10/3/18</a:t>
             </a:fld>
             <a:endParaRPr lang="en-US"/>
           </a:p>
@@ -17404,7 +17404,7 @@
             <a:pPr algn="ctr"/>
             <a:r>
               <a:rPr lang="en-US" dirty="0" smtClean="0"/>
-              <a:t>(3)</a:t>
+              <a:t>(2)</a:t>
             </a:r>
             <a:endParaRPr lang="en-US" dirty="0"/>
           </a:p>
@@ -17459,7 +17459,7 @@
             <a:pPr algn="ctr"/>
             <a:r>
               <a:rPr lang="en-US" dirty="0" smtClean="0"/>
-              <a:t>(4)</a:t>
+              <a:t>(3)</a:t>
             </a:r>
             <a:endParaRPr lang="en-US" dirty="0"/>
           </a:p>
@@ -17522,7 +17522,7 @@
             <a:pPr algn="ctr"/>
             <a:r>
               <a:rPr lang="en-US" dirty="0" smtClean="0"/>
-              <a:t>(2)</a:t>
+              <a:t>(5)</a:t>
             </a:r>
             <a:endParaRPr lang="en-US" dirty="0"/>
           </a:p>
@@ -17558,8 +17558,8 @@
         </p:nvSpPr>
         <p:spPr>
           <a:xfrm>
-            <a:off x="8736378" y="152400"/>
-            <a:ext cx="1122108" cy="914400"/>
+            <a:off x="8750084" y="152400"/>
+            <a:ext cx="3278318" cy="1447800"/>
           </a:xfrm>
           <a:prstGeom prst="rect">
             <a:avLst/>
@@ -17588,7 +17588,11 @@
             <a:pPr algn="ctr"/>
             <a:r>
               <a:rPr lang="en-US" dirty="0" smtClean="0"/>
-              <a:t>(1)</a:t>
+              <a:t>(1</a:t>
+            </a:r>
+            <a:r>
+              <a:rPr lang="en-US" dirty="0" smtClean="0"/>
+              <a:t>)</a:t>
             </a:r>
           </a:p>
           <a:p>
@@ -17596,6 +17600,32 @@
             <a:r>
               <a:rPr lang="en-US" dirty="0" smtClean="0"/>
               <a:t>Identity</a:t>
+            </a:r>
+          </a:p>
+          <a:p>
+            <a:pPr algn="ctr"/>
+            <a:r>
+              <a:rPr lang="en-US" dirty="0" smtClean="0"/>
+              <a:t>{ Self </a:t>
+            </a:r>
+            <a:r>
+              <a:rPr lang="en-US" dirty="0"/>
+              <a:t>Sovereign</a:t>
+            </a:r>
+          </a:p>
+          <a:p>
+            <a:pPr algn="ctr"/>
+            <a:r>
+              <a:rPr lang="en-US" dirty="0" smtClean="0"/>
+              <a:t>Pub/</a:t>
+            </a:r>
+            <a:r>
+              <a:rPr lang="en-US" dirty="0" err="1" smtClean="0"/>
+              <a:t>Pri</a:t>
+            </a:r>
+            <a:r>
+              <a:rPr lang="en-US" dirty="0" smtClean="0"/>
+              <a:t> Key; Digital Sig }</a:t>
             </a:r>
             <a:endParaRPr lang="en-US" dirty="0"/>
           </a:p>
@@ -17631,6 +17661,70 @@
           </a:prstGeom>
         </p:spPr>
       </p:pic>
+      <p:sp>
+        <p:nvSpPr>
+          <p:cNvPr id="8" name="Rectangle 7"/>
+          <p:cNvSpPr/>
+          <p:nvPr/>
+        </p:nvSpPr>
+        <p:spPr>
+          <a:xfrm>
+            <a:off x="2055812" y="3629792"/>
+            <a:ext cx="1624020" cy="1282173"/>
+          </a:xfrm>
+          <a:prstGeom prst="rect">
+            <a:avLst/>
+          </a:prstGeom>
+        </p:spPr>
+        <p:style>
+          <a:lnRef idx="2">
+            <a:schemeClr val="accent1">
+              <a:shade val="50000"/>
+            </a:schemeClr>
+          </a:lnRef>
+          <a:fillRef idx="1">
+            <a:schemeClr val="accent1"/>
+          </a:fillRef>
+          <a:effectRef idx="0">
+            <a:schemeClr val="accent1"/>
+          </a:effectRef>
+          <a:fontRef idx="minor">
+            <a:schemeClr val="lt1"/>
+          </a:fontRef>
+        </p:style>
+        <p:txBody>
+          <a:bodyPr rtlCol="0" anchor="ctr"/>
+          <a:lstStyle/>
+          <a:p>
+            <a:pPr algn="ctr"/>
+            <a:r>
+              <a:rPr lang="en-US" dirty="0" smtClean="0"/>
+              <a:t>(4)</a:t>
+            </a:r>
+            <a:endParaRPr lang="en-US" dirty="0"/>
+          </a:p>
+          <a:p>
+            <a:pPr algn="ctr"/>
+            <a:r>
+              <a:rPr lang="en-US" dirty="0" smtClean="0"/>
+              <a:t>Artist </a:t>
+            </a:r>
+            <a:r>
+              <a:rPr lang="en-US" dirty="0" err="1" smtClean="0"/>
+              <a:t>Blockchain</a:t>
+            </a:r>
+            <a:endParaRPr lang="en-US" dirty="0" smtClean="0"/>
+          </a:p>
+          <a:p>
+            <a:pPr algn="ctr"/>
+            <a:r>
+              <a:rPr lang="en-US" dirty="0" smtClean="0"/>
+              <a:t>Song Entries</a:t>
+            </a:r>
+            <a:endParaRPr lang="en-US" dirty="0" smtClean="0"/>
+          </a:p>
+        </p:txBody>
+      </p:sp>
     </p:spTree>
     <p:extLst>
       <p:ext uri="{BB962C8B-B14F-4D97-AF65-F5344CB8AC3E}">
